--- a/PPT/0 Intro dan Pengenalan Seri.pptx
+++ b/PPT/0 Intro dan Pengenalan Seri.pptx
@@ -287,7 +287,7 @@
           <a:p>
             <a:fld id="{C7500BD4-2B60-4FB5-8B60-36148B21A265}" type="datetimeFigureOut">
               <a:rPr lang="en-US" smtClean="0"/>
-              <a:t>1/18/2021</a:t>
+              <a:t>1/19/2021</a:t>
             </a:fld>
             <a:endParaRPr lang="en-US"/>
           </a:p>
@@ -485,7 +485,7 @@
           <a:p>
             <a:fld id="{C7500BD4-2B60-4FB5-8B60-36148B21A265}" type="datetimeFigureOut">
               <a:rPr lang="en-US" smtClean="0"/>
-              <a:t>1/18/2021</a:t>
+              <a:t>1/19/2021</a:t>
             </a:fld>
             <a:endParaRPr lang="en-US"/>
           </a:p>
@@ -693,7 +693,7 @@
           <a:p>
             <a:fld id="{C7500BD4-2B60-4FB5-8B60-36148B21A265}" type="datetimeFigureOut">
               <a:rPr lang="en-US" smtClean="0"/>
-              <a:t>1/18/2021</a:t>
+              <a:t>1/19/2021</a:t>
             </a:fld>
             <a:endParaRPr lang="en-US"/>
           </a:p>
@@ -891,7 +891,7 @@
           <a:p>
             <a:fld id="{C7500BD4-2B60-4FB5-8B60-36148B21A265}" type="datetimeFigureOut">
               <a:rPr lang="en-US" smtClean="0"/>
-              <a:t>1/18/2021</a:t>
+              <a:t>1/19/2021</a:t>
             </a:fld>
             <a:endParaRPr lang="en-US"/>
           </a:p>
@@ -1166,7 +1166,7 @@
           <a:p>
             <a:fld id="{C7500BD4-2B60-4FB5-8B60-36148B21A265}" type="datetimeFigureOut">
               <a:rPr lang="en-US" smtClean="0"/>
-              <a:t>1/18/2021</a:t>
+              <a:t>1/19/2021</a:t>
             </a:fld>
             <a:endParaRPr lang="en-US"/>
           </a:p>
@@ -1431,7 +1431,7 @@
           <a:p>
             <a:fld id="{C7500BD4-2B60-4FB5-8B60-36148B21A265}" type="datetimeFigureOut">
               <a:rPr lang="en-US" smtClean="0"/>
-              <a:t>1/18/2021</a:t>
+              <a:t>1/19/2021</a:t>
             </a:fld>
             <a:endParaRPr lang="en-US"/>
           </a:p>
@@ -1843,7 +1843,7 @@
           <a:p>
             <a:fld id="{C7500BD4-2B60-4FB5-8B60-36148B21A265}" type="datetimeFigureOut">
               <a:rPr lang="en-US" smtClean="0"/>
-              <a:t>1/18/2021</a:t>
+              <a:t>1/19/2021</a:t>
             </a:fld>
             <a:endParaRPr lang="en-US"/>
           </a:p>
@@ -1984,7 +1984,7 @@
           <a:p>
             <a:fld id="{C7500BD4-2B60-4FB5-8B60-36148B21A265}" type="datetimeFigureOut">
               <a:rPr lang="en-US" smtClean="0"/>
-              <a:t>1/18/2021</a:t>
+              <a:t>1/19/2021</a:t>
             </a:fld>
             <a:endParaRPr lang="en-US"/>
           </a:p>
@@ -2097,7 +2097,7 @@
           <a:p>
             <a:fld id="{C7500BD4-2B60-4FB5-8B60-36148B21A265}" type="datetimeFigureOut">
               <a:rPr lang="en-US" smtClean="0"/>
-              <a:t>1/18/2021</a:t>
+              <a:t>1/19/2021</a:t>
             </a:fld>
             <a:endParaRPr lang="en-US"/>
           </a:p>
@@ -2408,7 +2408,7 @@
           <a:p>
             <a:fld id="{C7500BD4-2B60-4FB5-8B60-36148B21A265}" type="datetimeFigureOut">
               <a:rPr lang="en-US" smtClean="0"/>
-              <a:t>1/18/2021</a:t>
+              <a:t>1/19/2021</a:t>
             </a:fld>
             <a:endParaRPr lang="en-US"/>
           </a:p>
@@ -2696,7 +2696,7 @@
           <a:p>
             <a:fld id="{C7500BD4-2B60-4FB5-8B60-36148B21A265}" type="datetimeFigureOut">
               <a:rPr lang="en-US" smtClean="0"/>
-              <a:t>1/18/2021</a:t>
+              <a:t>1/19/2021</a:t>
             </a:fld>
             <a:endParaRPr lang="en-US"/>
           </a:p>
@@ -2937,7 +2937,7 @@
           <a:p>
             <a:fld id="{C7500BD4-2B60-4FB5-8B60-36148B21A265}" type="datetimeFigureOut">
               <a:rPr lang="en-US" smtClean="0"/>
-              <a:t>1/18/2021</a:t>
+              <a:t>1/19/2021</a:t>
             </a:fld>
             <a:endParaRPr lang="en-US"/>
           </a:p>
@@ -7833,8 +7833,8 @@
         </p:nvSpPr>
         <p:spPr>
           <a:xfrm>
-            <a:off x="5391410" y="2809566"/>
-            <a:ext cx="1734770" cy="584775"/>
+            <a:off x="4697220" y="2809566"/>
+            <a:ext cx="2797561" cy="584775"/>
           </a:xfrm>
           <a:prstGeom prst="rect">
             <a:avLst/>
@@ -7853,7 +7853,7 @@
                   <a:schemeClr val="bg1"/>
                 </a:solidFill>
               </a:rPr>
-              <a:t>SUPAYA</a:t>
+              <a:t>SUPAYA KITA </a:t>
             </a:r>
           </a:p>
         </p:txBody>
@@ -7950,7 +7950,7 @@
         </p:nvSpPr>
         <p:spPr>
           <a:xfrm>
-            <a:off x="4563459" y="3622962"/>
+            <a:off x="4400664" y="3622962"/>
             <a:ext cx="3390673" cy="584775"/>
           </a:xfrm>
           <a:prstGeom prst="rect">
